--- a/assets/architecture.pptx
+++ b/assets/architecture.pptx
@@ -260,7 +260,7 @@
           <a:p>
             <a:fld id="{DBACAE05-573A-8D4F-B7C1-DDE7AC324BE1}" type="datetimeFigureOut">
               <a:rPr lang="en-US" smtClean="0"/>
-              <a:t>2/6/24</a:t>
+              <a:t>3/1/2024</a:t>
             </a:fld>
             <a:endParaRPr lang="en-US"/>
           </a:p>
@@ -458,7 +458,7 @@
           <a:p>
             <a:fld id="{DBACAE05-573A-8D4F-B7C1-DDE7AC324BE1}" type="datetimeFigureOut">
               <a:rPr lang="en-US" smtClean="0"/>
-              <a:t>2/6/24</a:t>
+              <a:t>3/1/2024</a:t>
             </a:fld>
             <a:endParaRPr lang="en-US"/>
           </a:p>
@@ -666,7 +666,7 @@
           <a:p>
             <a:fld id="{DBACAE05-573A-8D4F-B7C1-DDE7AC324BE1}" type="datetimeFigureOut">
               <a:rPr lang="en-US" smtClean="0"/>
-              <a:t>2/6/24</a:t>
+              <a:t>3/1/2024</a:t>
             </a:fld>
             <a:endParaRPr lang="en-US"/>
           </a:p>
@@ -864,7 +864,7 @@
           <a:p>
             <a:fld id="{DBACAE05-573A-8D4F-B7C1-DDE7AC324BE1}" type="datetimeFigureOut">
               <a:rPr lang="en-US" smtClean="0"/>
-              <a:t>2/6/24</a:t>
+              <a:t>3/1/2024</a:t>
             </a:fld>
             <a:endParaRPr lang="en-US"/>
           </a:p>
@@ -1139,7 +1139,7 @@
           <a:p>
             <a:fld id="{DBACAE05-573A-8D4F-B7C1-DDE7AC324BE1}" type="datetimeFigureOut">
               <a:rPr lang="en-US" smtClean="0"/>
-              <a:t>2/6/24</a:t>
+              <a:t>3/1/2024</a:t>
             </a:fld>
             <a:endParaRPr lang="en-US"/>
           </a:p>
@@ -1404,7 +1404,7 @@
           <a:p>
             <a:fld id="{DBACAE05-573A-8D4F-B7C1-DDE7AC324BE1}" type="datetimeFigureOut">
               <a:rPr lang="en-US" smtClean="0"/>
-              <a:t>2/6/24</a:t>
+              <a:t>3/1/2024</a:t>
             </a:fld>
             <a:endParaRPr lang="en-US"/>
           </a:p>
@@ -1816,7 +1816,7 @@
           <a:p>
             <a:fld id="{DBACAE05-573A-8D4F-B7C1-DDE7AC324BE1}" type="datetimeFigureOut">
               <a:rPr lang="en-US" smtClean="0"/>
-              <a:t>2/6/24</a:t>
+              <a:t>3/1/2024</a:t>
             </a:fld>
             <a:endParaRPr lang="en-US"/>
           </a:p>
@@ -1957,7 +1957,7 @@
           <a:p>
             <a:fld id="{DBACAE05-573A-8D4F-B7C1-DDE7AC324BE1}" type="datetimeFigureOut">
               <a:rPr lang="en-US" smtClean="0"/>
-              <a:t>2/6/24</a:t>
+              <a:t>3/1/2024</a:t>
             </a:fld>
             <a:endParaRPr lang="en-US"/>
           </a:p>
@@ -2070,7 +2070,7 @@
           <a:p>
             <a:fld id="{DBACAE05-573A-8D4F-B7C1-DDE7AC324BE1}" type="datetimeFigureOut">
               <a:rPr lang="en-US" smtClean="0"/>
-              <a:t>2/6/24</a:t>
+              <a:t>3/1/2024</a:t>
             </a:fld>
             <a:endParaRPr lang="en-US"/>
           </a:p>
@@ -2381,7 +2381,7 @@
           <a:p>
             <a:fld id="{DBACAE05-573A-8D4F-B7C1-DDE7AC324BE1}" type="datetimeFigureOut">
               <a:rPr lang="en-US" smtClean="0"/>
-              <a:t>2/6/24</a:t>
+              <a:t>3/1/2024</a:t>
             </a:fld>
             <a:endParaRPr lang="en-US"/>
           </a:p>
@@ -2669,7 +2669,7 @@
           <a:p>
             <a:fld id="{DBACAE05-573A-8D4F-B7C1-DDE7AC324BE1}" type="datetimeFigureOut">
               <a:rPr lang="en-US" smtClean="0"/>
-              <a:t>2/6/24</a:t>
+              <a:t>3/1/2024</a:t>
             </a:fld>
             <a:endParaRPr lang="en-US"/>
           </a:p>
@@ -2910,7 +2910,7 @@
           <a:p>
             <a:fld id="{DBACAE05-573A-8D4F-B7C1-DDE7AC324BE1}" type="datetimeFigureOut">
               <a:rPr lang="en-US" smtClean="0"/>
-              <a:t>2/6/24</a:t>
+              <a:t>3/1/2024</a:t>
             </a:fld>
             <a:endParaRPr lang="en-US"/>
           </a:p>
@@ -3418,7 +3418,7 @@
         </p:blipFill>
         <p:spPr>
           <a:xfrm>
-            <a:off x="9609725" y="1170808"/>
+            <a:off x="9596377" y="1525062"/>
             <a:ext cx="849434" cy="849434"/>
           </a:xfrm>
           <a:prstGeom prst="rect">
@@ -3497,8 +3497,8 @@
         </p:nvSpPr>
         <p:spPr>
           <a:xfrm>
-            <a:off x="9160267" y="2068079"/>
-            <a:ext cx="2074863" cy="646331"/>
+            <a:off x="9139723" y="2380311"/>
+            <a:ext cx="1826782" cy="369332"/>
           </a:xfrm>
           <a:prstGeom prst="rect">
             <a:avLst/>
@@ -3515,17 +3515,6 @@
               <a:rPr lang="en-US" dirty="0"/>
               <a:t>Azure Cosmos DB</a:t>
             </a:r>
-          </a:p>
-          <a:p>
-            <a:r>
-              <a:rPr lang="en-US" dirty="0"/>
-              <a:t>For MongoDB </a:t>
-            </a:r>
-            <a:r>
-              <a:rPr lang="en-US" dirty="0" err="1"/>
-              <a:t>vCore</a:t>
-            </a:r>
-            <a:endParaRPr lang="en-US" dirty="0"/>
           </a:p>
         </p:txBody>
       </p:sp>
